--- a/doc/Soutenance EDD.pptx
+++ b/doc/Soutenance EDD.pptx
@@ -22532,8 +22532,13 @@
           <a:p>
             <a:r>
               <a:rPr lang="fr-FR" dirty="0"/>
-              <a:t>Power Bi</a:t>
+              <a:t>Power Bi </a:t>
             </a:r>
+            <a:r>
+              <a:rPr lang="fr-FR"/>
+              <a:t>&amp; Talend</a:t>
+            </a:r>
+            <a:endParaRPr lang="fr-FR" dirty="0"/>
           </a:p>
         </p:txBody>
       </p:sp>
@@ -22560,13 +22565,8 @@
           <a:p>
             <a:r>
               <a:rPr lang="fr-FR" dirty="0"/>
-              <a:t>Rendre les noms de </a:t>
+              <a:t>Rendre les noms de colonne compréhensible.</a:t>
             </a:r>
-            <a:r>
-              <a:rPr lang="fr-FR"/>
-              <a:t>colonne compréhensible.</a:t>
-            </a:r>
-            <a:endParaRPr lang="fr-FR" dirty="0"/>
           </a:p>
           <a:p>
             <a:r>
